--- a/class4/CreativeCoding4.pptx
+++ b/class4/CreativeCoding4.pptx
@@ -19,23 +19,24 @@
     <p:sldId id="264" r:id="rId14"/>
     <p:sldId id="265" r:id="rId15"/>
     <p:sldId id="266" r:id="rId16"/>
+    <p:sldId id="267" r:id="rId17"/>
   </p:sldIdLst>
   <p:sldSz cy="5143500" cx="9144000"/>
   <p:notesSz cx="6858000" cy="9144000"/>
   <p:embeddedFontLst>
     <p:embeddedFont>
       <p:font typeface="Montserrat"/>
-      <p:regular r:id="rId17"/>
-      <p:bold r:id="rId18"/>
-      <p:italic r:id="rId19"/>
-      <p:boldItalic r:id="rId20"/>
+      <p:regular r:id="rId18"/>
+      <p:bold r:id="rId19"/>
+      <p:italic r:id="rId20"/>
+      <p:boldItalic r:id="rId21"/>
     </p:embeddedFont>
     <p:embeddedFont>
       <p:font typeface="Lato"/>
-      <p:regular r:id="rId21"/>
-      <p:bold r:id="rId22"/>
-      <p:italic r:id="rId23"/>
-      <p:boldItalic r:id="rId24"/>
+      <p:regular r:id="rId22"/>
+      <p:bold r:id="rId23"/>
+      <p:italic r:id="rId24"/>
+      <p:boldItalic r:id="rId25"/>
     </p:embeddedFont>
   </p:embeddedFontLst>
   <p:defaultTextStyle>
@@ -830,7 +831,7 @@
       </p:grpSpPr>
       <p:sp>
         <p:nvSpPr>
-          <p:cNvPr id="187" name="Google Shape;187;g18510760229_0_0:notes"/>
+          <p:cNvPr id="187" name="Google Shape;187;g18c25dc5574_0_0:notes"/>
           <p:cNvSpPr/>
           <p:nvPr>
             <p:ph idx="2" type="sldImg"/>
@@ -865,7 +866,7 @@
       </p:sp>
       <p:sp>
         <p:nvSpPr>
-          <p:cNvPr id="188" name="Google Shape;188;g18510760229_0_0:notes"/>
+          <p:cNvPr id="188" name="Google Shape;188;g18c25dc5574_0_0:notes"/>
           <p:cNvSpPr txBox="1"/>
           <p:nvPr>
             <p:ph idx="1" type="body"/>
@@ -915,7 +916,7 @@
   <p:cSld>
     <p:spTree>
       <p:nvGrpSpPr>
-        <p:cNvPr id="192" name="Shape 192"/>
+        <p:cNvPr id="193" name="Shape 193"/>
         <p:cNvGrpSpPr/>
         <p:nvPr/>
       </p:nvGrpSpPr>
@@ -929,7 +930,7 @@
       </p:grpSpPr>
       <p:sp>
         <p:nvSpPr>
-          <p:cNvPr id="193" name="Google Shape;193;g18510760229_0_10:notes"/>
+          <p:cNvPr id="194" name="Google Shape;194;g18510760229_0_0:notes"/>
           <p:cNvSpPr/>
           <p:nvPr>
             <p:ph idx="2" type="sldImg"/>
@@ -964,7 +965,106 @@
       </p:sp>
       <p:sp>
         <p:nvSpPr>
-          <p:cNvPr id="194" name="Google Shape;194;g18510760229_0_10:notes"/>
+          <p:cNvPr id="195" name="Google Shape;195;g18510760229_0_0:notes"/>
+          <p:cNvSpPr txBox="1"/>
+          <p:nvPr>
+            <p:ph idx="1" type="body"/>
+          </p:nvPr>
+        </p:nvSpPr>
+        <p:spPr>
+          <a:xfrm>
+            <a:off x="685800" y="4343400"/>
+            <a:ext cx="5486400" cy="4114800"/>
+          </a:xfrm>
+          <a:prstGeom prst="rect">
+            <a:avLst/>
+          </a:prstGeom>
+        </p:spPr>
+        <p:txBody>
+          <a:bodyPr anchorCtr="0" anchor="t" bIns="91425" lIns="91425" spcFirstLastPara="1" rIns="91425" wrap="square" tIns="91425">
+            <a:noAutofit/>
+          </a:bodyPr>
+          <a:lstStyle/>
+          <a:p>
+            <a:pPr indent="0" lvl="0" marL="0" rtl="0" algn="l">
+              <a:spcBef>
+                <a:spcPts val="0"/>
+              </a:spcBef>
+              <a:spcAft>
+                <a:spcPts val="0"/>
+              </a:spcAft>
+              <a:buNone/>
+            </a:pPr>
+            <a:r>
+              <a:t/>
+            </a:r>
+            <a:endParaRPr/>
+          </a:p>
+        </p:txBody>
+      </p:sp>
+    </p:spTree>
+  </p:cSld>
+  <p:clrMapOvr>
+    <a:masterClrMapping/>
+  </p:clrMapOvr>
+</p:notes>
+</file>
+
+<file path=ppt/notesSlides/notesSlide12.xml><?xml version="1.0" encoding="utf-8"?>
+<p:notes xmlns:a="http://schemas.openxmlformats.org/drawingml/2006/main" xmlns:r="http://schemas.openxmlformats.org/officeDocument/2006/relationships" xmlns:mc="http://schemas.openxmlformats.org/markup-compatibility/2006" xmlns:mv="urn:schemas-microsoft-com:mac:vml" xmlns:p="http://schemas.openxmlformats.org/presentationml/2006/main" xmlns:c="http://schemas.openxmlformats.org/drawingml/2006/chart" xmlns:dgm="http://schemas.openxmlformats.org/drawingml/2006/diagram" xmlns:o="urn:schemas-microsoft-com:office:office" xmlns:v="urn:schemas-microsoft-com:vml" xmlns:pvml="urn:schemas-microsoft-com:office:powerpoint" xmlns:com="http://schemas.openxmlformats.org/drawingml/2006/compatibility" xmlns:p14="http://schemas.microsoft.com/office/powerpoint/2010/main" xmlns:p15="http://schemas.microsoft.com/office/powerpoint/2012/main" xmlns:ahyp="http://schemas.microsoft.com/office/drawing/2018/hyperlinkcolor" showMasterPhAnim="0" showMasterSp="0">
+  <p:cSld>
+    <p:spTree>
+      <p:nvGrpSpPr>
+        <p:cNvPr id="199" name="Shape 199"/>
+        <p:cNvGrpSpPr/>
+        <p:nvPr/>
+      </p:nvGrpSpPr>
+      <p:grpSpPr>
+        <a:xfrm>
+          <a:off x="0" y="0"/>
+          <a:ext cx="0" cy="0"/>
+          <a:chOff x="0" y="0"/>
+          <a:chExt cx="0" cy="0"/>
+        </a:xfrm>
+      </p:grpSpPr>
+      <p:sp>
+        <p:nvSpPr>
+          <p:cNvPr id="200" name="Google Shape;200;g18510760229_0_10:notes"/>
+          <p:cNvSpPr/>
+          <p:nvPr>
+            <p:ph idx="2" type="sldImg"/>
+          </p:nvPr>
+        </p:nvSpPr>
+        <p:spPr>
+          <a:xfrm>
+            <a:off x="381300" y="685800"/>
+            <a:ext cx="6096000" cy="3429000"/>
+          </a:xfrm>
+          <a:custGeom>
+            <a:rect b="b" l="l" r="r" t="t"/>
+            <a:pathLst>
+              <a:path extrusionOk="0" h="120000" w="120000">
+                <a:moveTo>
+                  <a:pt x="0" y="0"/>
+                </a:moveTo>
+                <a:lnTo>
+                  <a:pt x="120000" y="0"/>
+                </a:lnTo>
+                <a:lnTo>
+                  <a:pt x="120000" y="120000"/>
+                </a:lnTo>
+                <a:lnTo>
+                  <a:pt x="0" y="120000"/>
+                </a:lnTo>
+                <a:close/>
+              </a:path>
+            </a:pathLst>
+          </a:custGeom>
+        </p:spPr>
+      </p:sp>
+      <p:sp>
+        <p:nvSpPr>
+          <p:cNvPr id="201" name="Google Shape;201;g18510760229_0_10:notes"/>
           <p:cNvSpPr txBox="1"/>
           <p:nvPr>
             <p:ph idx="1" type="body"/>
@@ -10172,6 +10272,250 @@
             </a:pPr>
             <a:r>
               <a:rPr b="1" lang="en"/>
+              <a:t>Lambda Expressions λ</a:t>
+            </a:r>
+            <a:endParaRPr b="1"/>
+          </a:p>
+        </p:txBody>
+      </p:sp>
+      <p:sp>
+        <p:nvSpPr>
+          <p:cNvPr id="191" name="Google Shape;191;p22"/>
+          <p:cNvSpPr txBox="1"/>
+          <p:nvPr>
+            <p:ph idx="1" type="body"/>
+          </p:nvPr>
+        </p:nvSpPr>
+        <p:spPr>
+          <a:xfrm>
+            <a:off x="1297500" y="1567550"/>
+            <a:ext cx="7038900" cy="2911200"/>
+          </a:xfrm>
+          <a:prstGeom prst="rect">
+            <a:avLst/>
+          </a:prstGeom>
+        </p:spPr>
+        <p:txBody>
+          <a:bodyPr anchorCtr="0" anchor="t" bIns="91425" lIns="91425" spcFirstLastPara="1" rIns="91425" wrap="square" tIns="91425">
+            <a:normAutofit/>
+          </a:bodyPr>
+          <a:lstStyle/>
+          <a:p>
+            <a:pPr indent="0" lvl="0" marL="0" rtl="0" algn="l">
+              <a:spcBef>
+                <a:spcPts val="0"/>
+              </a:spcBef>
+              <a:spcAft>
+                <a:spcPts val="0"/>
+              </a:spcAft>
+              <a:buNone/>
+            </a:pPr>
+            <a:r>
+              <a:rPr lang="en"/>
+              <a:t>Lambda expressions allow us to define </a:t>
+            </a:r>
+            <a:r>
+              <a:rPr b="1" lang="en"/>
+              <a:t>anonymous functions</a:t>
+            </a:r>
+            <a:r>
+              <a:rPr lang="en"/>
+              <a:t>.</a:t>
+            </a:r>
+            <a:endParaRPr/>
+          </a:p>
+          <a:p>
+            <a:pPr indent="0" lvl="0" marL="0" rtl="0" algn="l">
+              <a:spcBef>
+                <a:spcPts val="1200"/>
+              </a:spcBef>
+              <a:spcAft>
+                <a:spcPts val="0"/>
+              </a:spcAft>
+              <a:buNone/>
+            </a:pPr>
+            <a:r>
+              <a:rPr lang="en"/>
+              <a:t>What do we mean by anonymous functions? Anonymous can mean something doesn’t have a name.</a:t>
+            </a:r>
+            <a:endParaRPr/>
+          </a:p>
+          <a:p>
+            <a:pPr indent="0" lvl="0" marL="0" rtl="0" algn="l">
+              <a:spcBef>
+                <a:spcPts val="1200"/>
+              </a:spcBef>
+              <a:spcAft>
+                <a:spcPts val="0"/>
+              </a:spcAft>
+              <a:buNone/>
+            </a:pPr>
+            <a:r>
+              <a:rPr lang="en"/>
+              <a:t>We define lambda expressions with the following syntax:</a:t>
+            </a:r>
+            <a:endParaRPr/>
+          </a:p>
+          <a:p>
+            <a:pPr indent="0" lvl="0" marL="0" rtl="0" algn="l">
+              <a:spcBef>
+                <a:spcPts val="1200"/>
+              </a:spcBef>
+              <a:spcAft>
+                <a:spcPts val="0"/>
+              </a:spcAft>
+              <a:buNone/>
+            </a:pPr>
+            <a:r>
+              <a:rPr lang="en"/>
+              <a:t>l</a:t>
+            </a:r>
+            <a:r>
+              <a:rPr lang="en"/>
+              <a:t>ambda [args] : expression</a:t>
+            </a:r>
+            <a:endParaRPr/>
+          </a:p>
+          <a:p>
+            <a:pPr indent="0" lvl="0" marL="0" rtl="0" algn="l">
+              <a:spcBef>
+                <a:spcPts val="1200"/>
+              </a:spcBef>
+              <a:spcAft>
+                <a:spcPts val="0"/>
+              </a:spcAft>
+              <a:buNone/>
+            </a:pPr>
+            <a:r>
+              <a:rPr lang="en"/>
+              <a:t>Note that there’s no return statement, </a:t>
+            </a:r>
+            <a:endParaRPr/>
+          </a:p>
+          <a:p>
+            <a:pPr indent="0" lvl="0" marL="0" rtl="0" algn="l">
+              <a:spcBef>
+                <a:spcPts val="1200"/>
+              </a:spcBef>
+              <a:spcAft>
+                <a:spcPts val="0"/>
+              </a:spcAft>
+              <a:buNone/>
+            </a:pPr>
+            <a:r>
+              <a:rPr lang="en"/>
+              <a:t>this is because lambda expressions evaluate the </a:t>
+            </a:r>
+            <a:r>
+              <a:rPr lang="en"/>
+              <a:t>statement and automatically return the value.</a:t>
+            </a:r>
+            <a:endParaRPr/>
+          </a:p>
+          <a:p>
+            <a:pPr indent="0" lvl="0" marL="0" rtl="0" algn="l">
+              <a:spcBef>
+                <a:spcPts val="1200"/>
+              </a:spcBef>
+              <a:spcAft>
+                <a:spcPts val="1200"/>
+              </a:spcAft>
+              <a:buNone/>
+            </a:pPr>
+            <a:r>
+              <a:t/>
+            </a:r>
+            <a:endParaRPr/>
+          </a:p>
+        </p:txBody>
+      </p:sp>
+      <p:pic>
+        <p:nvPicPr>
+          <p:cNvPr id="192" name="Google Shape;192;p22"/>
+          <p:cNvPicPr preferRelativeResize="0"/>
+          <p:nvPr/>
+        </p:nvPicPr>
+        <p:blipFill>
+          <a:blip r:embed="rId3">
+            <a:alphaModFix/>
+          </a:blip>
+          <a:stretch>
+            <a:fillRect/>
+          </a:stretch>
+        </p:blipFill>
+        <p:spPr>
+          <a:xfrm>
+            <a:off x="5928963" y="2294475"/>
+            <a:ext cx="2466975" cy="1457325"/>
+          </a:xfrm>
+          <a:prstGeom prst="rect">
+            <a:avLst/>
+          </a:prstGeom>
+          <a:noFill/>
+          <a:ln>
+            <a:noFill/>
+          </a:ln>
+        </p:spPr>
+      </p:pic>
+    </p:spTree>
+  </p:cSld>
+  <p:clrMapOvr>
+    <a:masterClrMapping/>
+  </p:clrMapOvr>
+</p:sld>
+</file>
+
+<file path=ppt/slides/slide11.xml><?xml version="1.0" encoding="utf-8"?>
+<p:sld xmlns:a="http://schemas.openxmlformats.org/drawingml/2006/main" xmlns:r="http://schemas.openxmlformats.org/officeDocument/2006/relationships" xmlns:mc="http://schemas.openxmlformats.org/markup-compatibility/2006" xmlns:mv="urn:schemas-microsoft-com:mac:vml" xmlns:p="http://schemas.openxmlformats.org/presentationml/2006/main" xmlns:c="http://schemas.openxmlformats.org/drawingml/2006/chart" xmlns:dgm="http://schemas.openxmlformats.org/drawingml/2006/diagram" xmlns:o="urn:schemas-microsoft-com:office:office" xmlns:v="urn:schemas-microsoft-com:vml" xmlns:pvml="urn:schemas-microsoft-com:office:powerpoint" xmlns:com="http://schemas.openxmlformats.org/drawingml/2006/compatibility" xmlns:p14="http://schemas.microsoft.com/office/powerpoint/2010/main" xmlns:p15="http://schemas.microsoft.com/office/powerpoint/2012/main" xmlns:ahyp="http://schemas.microsoft.com/office/drawing/2018/hyperlinkcolor">
+  <p:cSld>
+    <p:spTree>
+      <p:nvGrpSpPr>
+        <p:cNvPr id="196" name="Shape 196"/>
+        <p:cNvGrpSpPr/>
+        <p:nvPr/>
+      </p:nvGrpSpPr>
+      <p:grpSpPr>
+        <a:xfrm>
+          <a:off x="0" y="0"/>
+          <a:ext cx="0" cy="0"/>
+          <a:chOff x="0" y="0"/>
+          <a:chExt cx="0" cy="0"/>
+        </a:xfrm>
+      </p:grpSpPr>
+      <p:sp>
+        <p:nvSpPr>
+          <p:cNvPr id="197" name="Google Shape;197;p23"/>
+          <p:cNvSpPr txBox="1"/>
+          <p:nvPr>
+            <p:ph type="title"/>
+          </p:nvPr>
+        </p:nvSpPr>
+        <p:spPr>
+          <a:xfrm>
+            <a:off x="1297500" y="393750"/>
+            <a:ext cx="7038900" cy="914100"/>
+          </a:xfrm>
+          <a:prstGeom prst="rect">
+            <a:avLst/>
+          </a:prstGeom>
+        </p:spPr>
+        <p:txBody>
+          <a:bodyPr anchorCtr="0" anchor="t" bIns="91425" lIns="91425" spcFirstLastPara="1" rIns="91425" wrap="square" tIns="91425">
+            <a:normAutofit/>
+          </a:bodyPr>
+          <a:lstStyle/>
+          <a:p>
+            <a:pPr indent="0" lvl="0" marL="0" rtl="0" algn="ctr">
+              <a:spcBef>
+                <a:spcPts val="0"/>
+              </a:spcBef>
+              <a:spcAft>
+                <a:spcPts val="0"/>
+              </a:spcAft>
+              <a:buNone/>
+            </a:pPr>
+            <a:r>
+              <a:rPr b="1" lang="en"/>
               <a:t>Some Functional Problems!</a:t>
             </a:r>
             <a:endParaRPr b="1"/>
@@ -10180,7 +10524,7 @@
       </p:sp>
       <p:sp>
         <p:nvSpPr>
-          <p:cNvPr id="191" name="Google Shape;191;p22"/>
+          <p:cNvPr id="198" name="Google Shape;198;p23"/>
           <p:cNvSpPr txBox="1"/>
           <p:nvPr>
             <p:ph idx="1" type="body"/>
@@ -10319,7 +10663,7 @@
             </a:pPr>
             <a:r>
               <a:rPr lang="en" sz="1600"/>
-              <a:t>Write a function for each math operation (+, -, *, /, **, //, %) where it will perform these operations on two numbers. Add all these functions to a list and then use a for loop to call them all. </a:t>
+              <a:t>Write a function for each math operation (+, -, *, /, **, //, %) where it will perform these operations on two numbers. Add all these functions to a list and then use a for loop to call them all.  You can use lambda expressions for this problem.</a:t>
             </a:r>
             <a:endParaRPr sz="1600"/>
           </a:p>
@@ -10333,12 +10677,12 @@
 </p:sld>
 </file>
 
-<file path=ppt/slides/slide11.xml><?xml version="1.0" encoding="utf-8"?>
+<file path=ppt/slides/slide12.xml><?xml version="1.0" encoding="utf-8"?>
 <p:sld xmlns:a="http://schemas.openxmlformats.org/drawingml/2006/main" xmlns:r="http://schemas.openxmlformats.org/officeDocument/2006/relationships" xmlns:mc="http://schemas.openxmlformats.org/markup-compatibility/2006" xmlns:mv="urn:schemas-microsoft-com:mac:vml" xmlns:p="http://schemas.openxmlformats.org/presentationml/2006/main" xmlns:c="http://schemas.openxmlformats.org/drawingml/2006/chart" xmlns:dgm="http://schemas.openxmlformats.org/drawingml/2006/diagram" xmlns:o="urn:schemas-microsoft-com:office:office" xmlns:v="urn:schemas-microsoft-com:vml" xmlns:pvml="urn:schemas-microsoft-com:office:powerpoint" xmlns:com="http://schemas.openxmlformats.org/drawingml/2006/compatibility" xmlns:p14="http://schemas.microsoft.com/office/powerpoint/2010/main" xmlns:p15="http://schemas.microsoft.com/office/powerpoint/2012/main" xmlns:ahyp="http://schemas.microsoft.com/office/drawing/2018/hyperlinkcolor">
   <p:cSld>
     <p:spTree>
       <p:nvGrpSpPr>
-        <p:cNvPr id="195" name="Shape 195"/>
+        <p:cNvPr id="202" name="Shape 202"/>
         <p:cNvGrpSpPr/>
         <p:nvPr/>
       </p:nvGrpSpPr>
@@ -10352,7 +10696,7 @@
       </p:grpSpPr>
       <p:sp>
         <p:nvSpPr>
-          <p:cNvPr id="196" name="Google Shape;196;p23"/>
+          <p:cNvPr id="203" name="Google Shape;203;p24"/>
           <p:cNvSpPr txBox="1"/>
           <p:nvPr>
             <p:ph type="title"/>
@@ -10400,7 +10744,7 @@
       </p:sp>
       <p:sp>
         <p:nvSpPr>
-          <p:cNvPr id="197" name="Google Shape;197;p23"/>
+          <p:cNvPr id="204" name="Google Shape;204;p24"/>
           <p:cNvSpPr txBox="1"/>
           <p:nvPr/>
         </p:nvSpPr>
@@ -10748,7 +11092,7 @@
         </p:spPr>
         <p:txBody>
           <a:bodyPr anchorCtr="0" anchor="t" bIns="91425" lIns="91425" spcFirstLastPara="1" rIns="91425" wrap="square" tIns="91425">
-            <a:normAutofit lnSpcReduction="10000"/>
+            <a:normAutofit/>
           </a:bodyPr>
           <a:lstStyle/>
           <a:p>
@@ -10832,26 +11176,6 @@
             <a:r>
               <a:rPr lang="en" sz="2000"/>
               <a:t> our own functions.</a:t>
-            </a:r>
-            <a:endParaRPr sz="2000"/>
-          </a:p>
-          <a:p>
-            <a:pPr indent="-355600" lvl="1" marL="914400" rtl="0" algn="l">
-              <a:lnSpc>
-                <a:spcPct val="105000"/>
-              </a:lnSpc>
-              <a:spcBef>
-                <a:spcPts val="0"/>
-              </a:spcBef>
-              <a:spcAft>
-                <a:spcPts val="0"/>
-              </a:spcAft>
-              <a:buSzPts val="2000"/>
-              <a:buChar char="○"/>
-            </a:pPr>
-            <a:r>
-              <a:rPr lang="en" sz="2000"/>
-              <a:t>An intro to file I/O </a:t>
             </a:r>
             <a:endParaRPr sz="2000"/>
           </a:p>
